--- a/4ComputerVision/frk_DL-for-CV_v02.pptx
+++ b/4ComputerVision/frk_DL-for-CV_v02.pptx
@@ -240,7 +240,7 @@
           <a:p>
             <a:fld id="{B9C95759-9FD3-4816-8198-2C330EBF9A00}" type="datetimeFigureOut">
               <a:rPr lang="en-US" smtClean="0"/>
-              <a:t>7/7/2022</a:t>
+              <a:t>7/9/2022</a:t>
             </a:fld>
             <a:endParaRPr lang="en-US"/>
           </a:p>
@@ -9453,7 +9453,7 @@
           <a:p>
             <a:fld id="{9B6B108B-93E1-4EB7-884C-D02BED291A9F}" type="datetimeFigureOut">
               <a:rPr lang="en-US" smtClean="0"/>
-              <a:t>7/7/2022</a:t>
+              <a:t>7/9/2022</a:t>
             </a:fld>
             <a:endParaRPr lang="en-US"/>
           </a:p>
@@ -9651,7 +9651,7 @@
           <a:p>
             <a:fld id="{9B6B108B-93E1-4EB7-884C-D02BED291A9F}" type="datetimeFigureOut">
               <a:rPr lang="en-US" smtClean="0"/>
-              <a:t>7/7/2022</a:t>
+              <a:t>7/9/2022</a:t>
             </a:fld>
             <a:endParaRPr lang="en-US"/>
           </a:p>
@@ -9859,7 +9859,7 @@
           <a:p>
             <a:fld id="{9B6B108B-93E1-4EB7-884C-D02BED291A9F}" type="datetimeFigureOut">
               <a:rPr lang="en-US" smtClean="0"/>
-              <a:t>7/7/2022</a:t>
+              <a:t>7/9/2022</a:t>
             </a:fld>
             <a:endParaRPr lang="en-US"/>
           </a:p>
@@ -10808,7 +10808,7 @@
           <a:p>
             <a:fld id="{9B6B108B-93E1-4EB7-884C-D02BED291A9F}" type="datetimeFigureOut">
               <a:rPr lang="en-US" smtClean="0"/>
-              <a:t>7/7/2022</a:t>
+              <a:t>7/9/2022</a:t>
             </a:fld>
             <a:endParaRPr lang="en-US"/>
           </a:p>
@@ -11083,7 +11083,7 @@
           <a:p>
             <a:fld id="{9B6B108B-93E1-4EB7-884C-D02BED291A9F}" type="datetimeFigureOut">
               <a:rPr lang="en-US" smtClean="0"/>
-              <a:t>7/7/2022</a:t>
+              <a:t>7/9/2022</a:t>
             </a:fld>
             <a:endParaRPr lang="en-US"/>
           </a:p>
@@ -11348,7 +11348,7 @@
           <a:p>
             <a:fld id="{9B6B108B-93E1-4EB7-884C-D02BED291A9F}" type="datetimeFigureOut">
               <a:rPr lang="en-US" smtClean="0"/>
-              <a:t>7/7/2022</a:t>
+              <a:t>7/9/2022</a:t>
             </a:fld>
             <a:endParaRPr lang="en-US"/>
           </a:p>
@@ -11760,7 +11760,7 @@
           <a:p>
             <a:fld id="{9B6B108B-93E1-4EB7-884C-D02BED291A9F}" type="datetimeFigureOut">
               <a:rPr lang="en-US" smtClean="0"/>
-              <a:t>7/7/2022</a:t>
+              <a:t>7/9/2022</a:t>
             </a:fld>
             <a:endParaRPr lang="en-US"/>
           </a:p>
@@ -11901,7 +11901,7 @@
           <a:p>
             <a:fld id="{9B6B108B-93E1-4EB7-884C-D02BED291A9F}" type="datetimeFigureOut">
               <a:rPr lang="en-US" smtClean="0"/>
-              <a:t>7/7/2022</a:t>
+              <a:t>7/9/2022</a:t>
             </a:fld>
             <a:endParaRPr lang="en-US"/>
           </a:p>
@@ -12014,7 +12014,7 @@
           <a:p>
             <a:fld id="{9B6B108B-93E1-4EB7-884C-D02BED291A9F}" type="datetimeFigureOut">
               <a:rPr lang="en-US" smtClean="0"/>
-              <a:t>7/7/2022</a:t>
+              <a:t>7/9/2022</a:t>
             </a:fld>
             <a:endParaRPr lang="en-US"/>
           </a:p>
@@ -12325,7 +12325,7 @@
           <a:p>
             <a:fld id="{9B6B108B-93E1-4EB7-884C-D02BED291A9F}" type="datetimeFigureOut">
               <a:rPr lang="en-US" smtClean="0"/>
-              <a:t>7/7/2022</a:t>
+              <a:t>7/9/2022</a:t>
             </a:fld>
             <a:endParaRPr lang="en-US"/>
           </a:p>
@@ -12613,7 +12613,7 @@
           <a:p>
             <a:fld id="{9B6B108B-93E1-4EB7-884C-D02BED291A9F}" type="datetimeFigureOut">
               <a:rPr lang="en-US" smtClean="0"/>
-              <a:t>7/7/2022</a:t>
+              <a:t>7/9/2022</a:t>
             </a:fld>
             <a:endParaRPr lang="en-US"/>
           </a:p>
@@ -12860,7 +12860,7 @@
           <a:p>
             <a:fld id="{9B6B108B-93E1-4EB7-884C-D02BED291A9F}" type="datetimeFigureOut">
               <a:rPr lang="en-US" smtClean="0"/>
-              <a:t>7/7/2022</a:t>
+              <a:t>7/9/2022</a:t>
             </a:fld>
             <a:endParaRPr lang="en-US"/>
           </a:p>
@@ -26243,6 +26243,15 @@
             </a:r>
           </a:p>
           <a:p>
+            <a:endParaRPr lang="en-US" dirty="0">
+              <a:solidFill>
+                <a:srgbClr val="FF0000"/>
+              </a:solidFill>
+              <a:latin typeface="Arial" panose="020B0604020202020204" pitchFamily="34" charset="0"/>
+              <a:cs typeface="Arial" panose="020B0604020202020204" pitchFamily="34" charset="0"/>
+            </a:endParaRPr>
+          </a:p>
+          <a:p>
             <a:r>
               <a:rPr lang="en-US" dirty="0" err="1">
                 <a:latin typeface="Arial" panose="020B0604020202020204" pitchFamily="34" charset="0"/>
@@ -26327,6 +26336,12 @@
               </a:rPr>
               <a:t> Machine learning.</a:t>
             </a:r>
+          </a:p>
+          <a:p>
+            <a:endParaRPr lang="en-US" dirty="0">
+              <a:latin typeface="Arial" panose="020B0604020202020204" pitchFamily="34" charset="0"/>
+              <a:cs typeface="Arial" panose="020B0604020202020204" pitchFamily="34" charset="0"/>
+            </a:endParaRPr>
           </a:p>
           <a:p>
             <a:r>
@@ -28568,140 +28583,140 @@
             </a:r>
           </a:p>
           <a:p>
-            <a:pPr fontAlgn="base">
+            <a:pPr lvl="1" fontAlgn="base">
               <a:buFont typeface="Courier New" panose="02070309020205020404" pitchFamily="49" charset="0"/>
               <a:buChar char="o"/>
             </a:pPr>
             <a:r>
-              <a:rPr lang="vi-VN" sz="2200" b="1" dirty="0"/>
+              <a:rPr lang="vi-VN" sz="1800" b="1" dirty="0"/>
               <a:t>Lời hứa </a:t>
             </a:r>
             <a:r>
-              <a:rPr lang="en-US" sz="2200" b="1" dirty="0" err="1">
+              <a:rPr lang="en-US" sz="1800" b="1" dirty="0" err="1">
                 <a:latin typeface="Arial" panose="020B0604020202020204" pitchFamily="34" charset="0"/>
                 <a:cs typeface="Arial" panose="020B0604020202020204" pitchFamily="34" charset="0"/>
               </a:rPr>
               <a:t>về</a:t>
             </a:r>
             <a:r>
-              <a:rPr lang="vi-VN" sz="2200" b="1" dirty="0"/>
+              <a:rPr lang="vi-VN" sz="1800" b="1" dirty="0"/>
               <a:t> việc khai thác tính năng tự động</a:t>
             </a:r>
             <a:r>
-              <a:rPr lang="vi-VN" sz="2200" dirty="0"/>
+              <a:rPr lang="vi-VN" sz="1800" dirty="0"/>
               <a:t> . Các tính năng có thể được tự động học và trích xuất từ ​​dữ liệu hình ảnh thô.</a:t>
             </a:r>
           </a:p>
           <a:p>
-            <a:pPr fontAlgn="base">
+            <a:pPr lvl="1" fontAlgn="base">
               <a:buFont typeface="Courier New" panose="02070309020205020404" pitchFamily="49" charset="0"/>
               <a:buChar char="o"/>
             </a:pPr>
             <a:r>
-              <a:rPr lang="vi-VN" sz="2200" b="1" dirty="0"/>
+              <a:rPr lang="vi-VN" sz="1800" b="1" dirty="0"/>
               <a:t>Lời hứa </a:t>
             </a:r>
             <a:r>
-              <a:rPr lang="en-US" sz="2200" b="1" dirty="0" err="1">
+              <a:rPr lang="en-US" sz="1800" b="1" dirty="0" err="1">
                 <a:latin typeface="Arial" panose="020B0604020202020204" pitchFamily="34" charset="0"/>
                 <a:cs typeface="Arial" panose="020B0604020202020204" pitchFamily="34" charset="0"/>
               </a:rPr>
               <a:t>về</a:t>
             </a:r>
             <a:r>
-              <a:rPr lang="vi-VN" sz="2200" b="1" dirty="0"/>
+              <a:rPr lang="vi-VN" sz="1800" b="1" dirty="0"/>
               <a:t> các mô hình End-to-End</a:t>
             </a:r>
             <a:r>
-              <a:rPr lang="vi-VN" sz="2200" dirty="0"/>
+              <a:rPr lang="vi-VN" sz="1800" dirty="0"/>
               <a:t> . Các mô hình đầu cuối đơn lẻ có thể thay thế đường ống của các mô hình chuyên dụng.</a:t>
             </a:r>
           </a:p>
           <a:p>
-            <a:pPr fontAlgn="base">
+            <a:pPr lvl="1" fontAlgn="base">
               <a:buFont typeface="Courier New" panose="02070309020205020404" pitchFamily="49" charset="0"/>
               <a:buChar char="o"/>
             </a:pPr>
             <a:r>
-              <a:rPr lang="vi-VN" sz="2200" b="1" dirty="0"/>
+              <a:rPr lang="vi-VN" sz="1800" b="1" dirty="0"/>
               <a:t>Lời hứa về việc tái sử dụng mô hình</a:t>
             </a:r>
             <a:r>
-              <a:rPr lang="vi-VN" sz="2200" dirty="0"/>
+              <a:rPr lang="vi-VN" sz="1800" dirty="0"/>
               <a:t> . Các tính năng đã học và thậm chí toàn bộ mô hình có thể được sử dụng lại trong các nhiệm vụ.</a:t>
             </a:r>
           </a:p>
           <a:p>
-            <a:pPr fontAlgn="base">
+            <a:pPr lvl="1" fontAlgn="base">
               <a:buFont typeface="Courier New" panose="02070309020205020404" pitchFamily="49" charset="0"/>
               <a:buChar char="o"/>
             </a:pPr>
             <a:r>
-              <a:rPr lang="vi-VN" sz="2200" b="1" dirty="0"/>
+              <a:rPr lang="vi-VN" sz="1800" b="1" dirty="0"/>
               <a:t>Lời hứa về hiệu suất vượt trội</a:t>
             </a:r>
             <a:r>
-              <a:rPr lang="vi-VN" sz="2200" dirty="0"/>
+              <a:rPr lang="vi-VN" sz="1800" dirty="0"/>
               <a:t> . Các kỹ thuật thể hiện kỹ năng tốt hơn trong các nhiệm vụ đầy thử thách.</a:t>
             </a:r>
           </a:p>
           <a:p>
-            <a:pPr fontAlgn="base">
+            <a:pPr lvl="1" fontAlgn="base">
               <a:buFont typeface="Courier New" panose="02070309020205020404" pitchFamily="49" charset="0"/>
               <a:buChar char="o"/>
             </a:pPr>
             <a:r>
-              <a:rPr lang="vi-VN" sz="2200" b="1" dirty="0"/>
+              <a:rPr lang="vi-VN" sz="1800" b="1" dirty="0"/>
               <a:t>Lời hứa của Phương pháp </a:t>
             </a:r>
             <a:r>
-              <a:rPr lang="en-US" sz="2200" b="1" dirty="0" err="1">
+              <a:rPr lang="en-US" sz="1800" b="1" dirty="0" err="1">
                 <a:latin typeface="Arial" panose="020B0604020202020204" pitchFamily="34" charset="0"/>
                 <a:cs typeface="Arial" panose="020B0604020202020204" pitchFamily="34" charset="0"/>
               </a:rPr>
               <a:t>tổng</a:t>
             </a:r>
             <a:r>
-              <a:rPr lang="en-US" sz="2200" b="1" dirty="0">
+              <a:rPr lang="en-US" sz="1800" b="1" dirty="0">
                 <a:latin typeface="Arial" panose="020B0604020202020204" pitchFamily="34" charset="0"/>
                 <a:cs typeface="Arial" panose="020B0604020202020204" pitchFamily="34" charset="0"/>
               </a:rPr>
               <a:t> </a:t>
             </a:r>
             <a:r>
-              <a:rPr lang="en-US" sz="2200" b="1" dirty="0" err="1">
+              <a:rPr lang="en-US" sz="1800" b="1" dirty="0" err="1">
                 <a:latin typeface="Arial" panose="020B0604020202020204" pitchFamily="34" charset="0"/>
                 <a:cs typeface="Arial" panose="020B0604020202020204" pitchFamily="34" charset="0"/>
               </a:rPr>
               <a:t>quát</a:t>
             </a:r>
             <a:r>
-              <a:rPr lang="vi-VN" sz="2200" dirty="0"/>
+              <a:rPr lang="vi-VN" sz="1800" dirty="0"/>
               <a:t> . Một phương pháp </a:t>
             </a:r>
             <a:r>
-              <a:rPr lang="en-US" sz="2200" dirty="0" err="1">
+              <a:rPr lang="en-US" sz="1800" dirty="0" err="1">
                 <a:latin typeface="Arial" panose="020B0604020202020204" pitchFamily="34" charset="0"/>
                 <a:cs typeface="Arial" panose="020B0604020202020204" pitchFamily="34" charset="0"/>
               </a:rPr>
               <a:t>tổng</a:t>
             </a:r>
             <a:r>
-              <a:rPr lang="en-US" sz="2200" dirty="0">
+              <a:rPr lang="en-US" sz="1800" dirty="0">
                 <a:latin typeface="Arial" panose="020B0604020202020204" pitchFamily="34" charset="0"/>
                 <a:cs typeface="Arial" panose="020B0604020202020204" pitchFamily="34" charset="0"/>
               </a:rPr>
               <a:t> </a:t>
             </a:r>
             <a:r>
-              <a:rPr lang="en-US" sz="2200" dirty="0" err="1">
+              <a:rPr lang="en-US" sz="1800" dirty="0" err="1">
                 <a:latin typeface="Arial" panose="020B0604020202020204" pitchFamily="34" charset="0"/>
                 <a:cs typeface="Arial" panose="020B0604020202020204" pitchFamily="34" charset="0"/>
               </a:rPr>
               <a:t>quát</a:t>
             </a:r>
             <a:r>
-              <a:rPr lang="vi-VN" sz="2200" dirty="0"/>
+              <a:rPr lang="vi-VN" sz="1800" dirty="0"/>
               <a:t> có thể được sử dụng cho một loạt các nhiệm vụ liên quan.</a:t>
             </a:r>
           </a:p>
